--- a/_SLIDES/2020/H8-Arrays/6_arrays.pptx
+++ b/_SLIDES/2020/H8-Arrays/6_arrays.pptx
@@ -9515,7 +9515,7 @@
           <a:p>
             <a:fld id="{AAB1E9D1-C262-4CF5-AED2-7DBFF7C74527}" type="datetimeFigureOut">
               <a:rPr lang="nl-BE" smtClean="0"/>
-              <a:t>17/09/2020</a:t>
+              <a:t>21/09/2020</a:t>
             </a:fld>
             <a:endParaRPr lang="nl-BE"/>
           </a:p>
@@ -11980,7 +11980,7 @@
           <a:p>
             <a:fld id="{063E5419-232B-4AB4-A633-1C1B1EA8CE36}" type="datetime1">
               <a:rPr lang="nl-BE" smtClean="0"/>
-              <a:t>17/09/2020</a:t>
+              <a:t>21/09/2020</a:t>
             </a:fld>
             <a:endParaRPr lang="nl-BE"/>
           </a:p>
@@ -12276,7 +12276,7 @@
           <a:p>
             <a:fld id="{0D569C85-CF75-44A7-BBB4-AAE87B9C974F}" type="datetime1">
               <a:rPr lang="nl-BE" smtClean="0"/>
-              <a:t>17/09/2020</a:t>
+              <a:t>21/09/2020</a:t>
             </a:fld>
             <a:endParaRPr lang="nl-BE"/>
           </a:p>
@@ -12489,7 +12489,7 @@
           <a:p>
             <a:fld id="{1280D5CF-2FDD-492E-B2CB-1432CFC98C82}" type="datetime1">
               <a:rPr lang="nl-BE" smtClean="0"/>
-              <a:t>17/09/2020</a:t>
+              <a:t>21/09/2020</a:t>
             </a:fld>
             <a:endParaRPr lang="nl-BE"/>
           </a:p>
@@ -12722,7 +12722,7 @@
           <a:p>
             <a:fld id="{A2228F50-65BA-44E6-B519-5402BA7C5D08}" type="datetime1">
               <a:rPr lang="nl-BE" smtClean="0"/>
-              <a:t>17/09/2020</a:t>
+              <a:t>21/09/2020</a:t>
             </a:fld>
             <a:endParaRPr lang="nl-BE"/>
           </a:p>
@@ -13001,7 +13001,7 @@
           <a:p>
             <a:fld id="{D26C4C0B-8F49-49B8-910C-CB869637FB3B}" type="datetime1">
               <a:rPr lang="nl-BE" smtClean="0"/>
-              <a:t>17/09/2020</a:t>
+              <a:t>21/09/2020</a:t>
             </a:fld>
             <a:endParaRPr lang="nl-BE"/>
           </a:p>
@@ -13272,7 +13272,7 @@
           <a:p>
             <a:fld id="{0F0F287F-0A4C-4C13-B678-173B18BC44F3}" type="datetime1">
               <a:rPr lang="nl-BE" smtClean="0"/>
-              <a:t>17/09/2020</a:t>
+              <a:t>21/09/2020</a:t>
             </a:fld>
             <a:endParaRPr lang="nl-BE"/>
           </a:p>
@@ -13690,7 +13690,7 @@
           <a:p>
             <a:fld id="{E9B10497-805E-4A63-A89E-4F994A2DBCBB}" type="datetime1">
               <a:rPr lang="nl-BE" smtClean="0"/>
-              <a:t>17/09/2020</a:t>
+              <a:t>21/09/2020</a:t>
             </a:fld>
             <a:endParaRPr lang="nl-BE"/>
           </a:p>
@@ -13835,7 +13835,7 @@
           <a:p>
             <a:fld id="{5B3E50CA-632E-44A7-A667-4481C5D209B6}" type="datetime1">
               <a:rPr lang="nl-BE" smtClean="0"/>
-              <a:t>17/09/2020</a:t>
+              <a:t>21/09/2020</a:t>
             </a:fld>
             <a:endParaRPr lang="nl-BE"/>
           </a:p>
@@ -13951,7 +13951,7 @@
           <a:p>
             <a:fld id="{E8BB3AE7-AD03-4F75-B3DA-C167599234F1}" type="datetime1">
               <a:rPr lang="nl-BE" smtClean="0"/>
-              <a:t>17/09/2020</a:t>
+              <a:t>21/09/2020</a:t>
             </a:fld>
             <a:endParaRPr lang="nl-BE"/>
           </a:p>
@@ -14267,7 +14267,7 @@
           <a:p>
             <a:fld id="{DB4B8475-17ED-4BC3-A071-2ED81104853C}" type="datetime1">
               <a:rPr lang="nl-BE" smtClean="0"/>
-              <a:t>17/09/2020</a:t>
+              <a:t>21/09/2020</a:t>
             </a:fld>
             <a:endParaRPr lang="nl-BE"/>
           </a:p>
@@ -14563,7 +14563,7 @@
           <a:p>
             <a:fld id="{E9C72993-DE5A-480C-B2CC-00F568EC779C}" type="datetime1">
               <a:rPr lang="nl-BE" smtClean="0"/>
-              <a:t>17/09/2020</a:t>
+              <a:t>21/09/2020</a:t>
             </a:fld>
             <a:endParaRPr lang="nl-BE"/>
           </a:p>
@@ -14809,7 +14809,7 @@
           <a:p>
             <a:fld id="{030CE4DC-3D3D-4F9B-907D-8EF520E33D0B}" type="datetime1">
               <a:rPr lang="nl-BE" smtClean="0"/>
-              <a:t>17/09/2020</a:t>
+              <a:t>21/09/2020</a:t>
             </a:fld>
             <a:endParaRPr lang="nl-BE"/>
           </a:p>
@@ -28478,7 +28478,7 @@
 </file>
 
 <file path=ppt/slides/slide38.xml><?xml version="1.0" encoding="utf-8"?>
-<p:sld xmlns:a="http://schemas.openxmlformats.org/drawingml/2006/main" xmlns:r="http://schemas.openxmlformats.org/officeDocument/2006/relationships" xmlns:p="http://schemas.openxmlformats.org/presentationml/2006/main">
+<p:sld xmlns:a="http://schemas.openxmlformats.org/drawingml/2006/main" xmlns:r="http://schemas.openxmlformats.org/officeDocument/2006/relationships" xmlns:p="http://schemas.openxmlformats.org/presentationml/2006/main" show="0">
   <p:cSld>
     <p:spTree>
       <p:nvGrpSpPr>
@@ -28894,7 +28894,7 @@
 </file>
 
 <file path=ppt/slides/slide39.xml><?xml version="1.0" encoding="utf-8"?>
-<p:sld xmlns:a="http://schemas.openxmlformats.org/drawingml/2006/main" xmlns:r="http://schemas.openxmlformats.org/officeDocument/2006/relationships" xmlns:p="http://schemas.openxmlformats.org/presentationml/2006/main">
+<p:sld xmlns:a="http://schemas.openxmlformats.org/drawingml/2006/main" xmlns:r="http://schemas.openxmlformats.org/officeDocument/2006/relationships" xmlns:p="http://schemas.openxmlformats.org/presentationml/2006/main" show="0">
   <p:cSld>
     <p:bg>
       <p:bgPr>
@@ -31875,15 +31875,7 @@
             </a:r>
             <a:r>
               <a:rPr lang="nl-BE" dirty="0"/>
-              <a:t> om </a:t>
-            </a:r>
-            <a:r>
-              <a:rPr lang="nl-BE" dirty="0" err="1"/>
-              <a:t>elmenten</a:t>
-            </a:r>
-            <a:r>
-              <a:rPr lang="nl-BE" dirty="0"/>
-              <a:t> te verwijderen</a:t>
+              <a:t> om elementen te verwijderen</a:t>
             </a:r>
           </a:p>
         </p:txBody>
